--- a/Result/도서 관리 프로그램의 사본.pptx
+++ b/Result/도서 관리 프로그램의 사본.pptx
@@ -2,7 +2,7 @@
 <file path=ppt/presentation.xml><?xml version="1.0" encoding="utf-8"?>
 <p:presentation xmlns:r="http://schemas.openxmlformats.org/officeDocument/2006/relationships" xmlns:c="http://schemas.openxmlformats.org/drawingml/2006/chart" xmlns:a="http://schemas.openxmlformats.org/drawingml/2006/main" xmlns:dgm="http://schemas.openxmlformats.org/drawingml/2006/diagram" xmlns:dsp="http://schemas.microsoft.com/office/drawing/2008/diagram" xmlns:p="http://schemas.openxmlformats.org/presentationml/2006/main" strictFirstAndLastChars="0" autoCompressPictures="0">
   <p:sldMasterIdLst>
-    <p:sldMasterId id="2147483666" r:id="rId1"/>
+    <p:sldMasterId id="2147483667" r:id="rId1"/>
   </p:sldMasterIdLst>
   <p:notesMasterIdLst>
     <p:notesMasterId r:id="rId2"/>
@@ -2104,11 +2104,11 @@
 </file>
 
 <file path=ppt/notesSlides/notesSlide21.xml><?xml version="1.0" encoding="utf-8"?>
-<p:notes xmlns:a="http://schemas.openxmlformats.org/drawingml/2006/main" xmlns:r="http://schemas.openxmlformats.org/officeDocument/2006/relationships" xmlns:mc="http://schemas.openxmlformats.org/markup-compatibility/2006" xmlns:mv="urn:schemas-microsoft-com:mac:vml" xmlns:p="http://schemas.openxmlformats.org/presentationml/2006/main" xmlns:c="http://schemas.openxmlformats.org/drawingml/2006/chart" xmlns:dgm="http://schemas.openxmlformats.org/drawingml/2006/diagram" xmlns:o="urn:schemas-microsoft-com:office:office" xmlns:v="urn:schemas-microsoft-com:vml" xmlns:pvml="urn:schemas-microsoft-com:office:powerpoint" xmlns:com="http://schemas.openxmlformats.org/drawingml/2006/compatibility" xmlns:p14="http://schemas.microsoft.com/office/powerpoint/2010/main" xmlns:p15="http://schemas.microsoft.com/office/powerpoint/2012/main" xmlns:ahyp="http://schemas.microsoft.com/office/drawing/2018/hyperlinkcolor" showMasterPhAnim="0" showMasterSp="0">
+<p:notes xmlns:r="http://schemas.openxmlformats.org/officeDocument/2006/relationships" xmlns:c="http://schemas.openxmlformats.org/drawingml/2006/chart" xmlns:a="http://schemas.openxmlformats.org/drawingml/2006/main" xmlns:dgm="http://schemas.openxmlformats.org/drawingml/2006/diagram" xmlns:dsp="http://schemas.microsoft.com/office/drawing/2008/diagram" xmlns:p="http://schemas.openxmlformats.org/presentationml/2006/main" showMasterSp="0" showMasterPhAnim="0">
   <p:cSld>
     <p:spTree>
       <p:nvGrpSpPr>
-        <p:cNvPr id="185" name="Shape 185"/>
+        <p:cNvPr id="1" name=""/>
         <p:cNvGrpSpPr/>
         <p:nvPr/>
       </p:nvGrpSpPr>
@@ -2123,9 +2123,11 @@
       <p:sp>
         <p:nvSpPr>
           <p:cNvPr id="186" name="Google Shape;186;g2a416277749_0_257:notes"/>
-          <p:cNvSpPr/>
+          <p:cNvSpPr>
+            <a:spLocks noGrp="1" noRot="1" noChangeAspect="1" noTextEdit="1"/>
+          </p:cNvSpPr>
           <p:nvPr>
-            <p:ph idx="2" type="sldImg"/>
+            <p:ph type="sldImg" idx="2"/>
           </p:nvPr>
         </p:nvSpPr>
         <p:spPr>
@@ -2134,9 +2136,11 @@
             <a:ext cx="6096000" cy="3429000"/>
           </a:xfrm>
           <a:custGeom>
-            <a:rect b="b" l="l" r="r" t="t"/>
+            <a:avLst/>
+            <a:gdLst/>
+            <a:rect l="l" t="t" r="r" b="b"/>
             <a:pathLst>
-              <a:path extrusionOk="0" h="120000" w="120000">
+              <a:path w="120000" h="120000" extrusionOk="0">
                 <a:moveTo>
                   <a:pt x="0" y="0"/>
                 </a:moveTo>
@@ -2158,9 +2162,11 @@
       <p:sp>
         <p:nvSpPr>
           <p:cNvPr id="187" name="Google Shape;187;g2a416277749_0_257:notes"/>
-          <p:cNvSpPr txBox="1"/>
+          <p:cNvSpPr txBox="1">
+            <a:spLocks noGrp="1"/>
+          </p:cNvSpPr>
           <p:nvPr>
-            <p:ph idx="1" type="body"/>
+            <p:ph type="body" idx="1"/>
           </p:nvPr>
         </p:nvSpPr>
         <p:spPr>
@@ -2173,24 +2179,26 @@
           </a:prstGeom>
         </p:spPr>
         <p:txBody>
-          <a:bodyPr anchorCtr="0" anchor="t" bIns="91425" lIns="91425" spcFirstLastPara="1" rIns="91425" wrap="square" tIns="91425">
+          <a:bodyPr wrap="square" lIns="91425" tIns="91425" rIns="91425" bIns="91425" anchor="t" anchorCtr="0">
             <a:noAutofit/>
           </a:bodyPr>
           <a:lstStyle/>
           <a:p>
-            <a:pPr indent="0" lvl="0" marL="0" rtl="0" algn="l">
-              <a:spcBef>
-                <a:spcPts val="0"/>
-              </a:spcBef>
-              <a:spcAft>
-                <a:spcPts val="0"/>
-              </a:spcAft>
-              <a:buNone/>
+            <a:pPr marL="0" lvl="0" indent="0" algn="l" rtl="0">
+              <a:spcBef>
+                <a:spcPts val="0"/>
+              </a:spcBef>
+              <a:spcAft>
+                <a:spcPts val="0"/>
+              </a:spcAft>
+              <a:buNone/>
+              <a:defRPr/>
             </a:pPr>
             <a:r>
+              <a:rPr lang="en-US" altLang="ko-KR"/>
               <a:t/>
             </a:r>
-            <a:endParaRPr/>
+            <a:endParaRPr lang="en-US" altLang="ko-KR"/>
           </a:p>
         </p:txBody>
       </p:sp>
@@ -2203,11 +2211,11 @@
 </file>
 
 <file path=ppt/notesSlides/notesSlide22.xml><?xml version="1.0" encoding="utf-8"?>
-<p:notes xmlns:a="http://schemas.openxmlformats.org/drawingml/2006/main" xmlns:r="http://schemas.openxmlformats.org/officeDocument/2006/relationships" xmlns:mc="http://schemas.openxmlformats.org/markup-compatibility/2006" xmlns:mv="urn:schemas-microsoft-com:mac:vml" xmlns:p="http://schemas.openxmlformats.org/presentationml/2006/main" xmlns:c="http://schemas.openxmlformats.org/drawingml/2006/chart" xmlns:dgm="http://schemas.openxmlformats.org/drawingml/2006/diagram" xmlns:o="urn:schemas-microsoft-com:office:office" xmlns:v="urn:schemas-microsoft-com:vml" xmlns:pvml="urn:schemas-microsoft-com:office:powerpoint" xmlns:com="http://schemas.openxmlformats.org/drawingml/2006/compatibility" xmlns:p14="http://schemas.microsoft.com/office/powerpoint/2010/main" xmlns:p15="http://schemas.microsoft.com/office/powerpoint/2012/main" xmlns:ahyp="http://schemas.microsoft.com/office/drawing/2018/hyperlinkcolor" showMasterPhAnim="0" showMasterSp="0">
+<p:notes xmlns:r="http://schemas.openxmlformats.org/officeDocument/2006/relationships" xmlns:c="http://schemas.openxmlformats.org/drawingml/2006/chart" xmlns:a="http://schemas.openxmlformats.org/drawingml/2006/main" xmlns:dgm="http://schemas.openxmlformats.org/drawingml/2006/diagram" xmlns:dsp="http://schemas.microsoft.com/office/drawing/2008/diagram" xmlns:p="http://schemas.openxmlformats.org/presentationml/2006/main" showMasterSp="0" showMasterPhAnim="0">
   <p:cSld>
     <p:spTree>
       <p:nvGrpSpPr>
-        <p:cNvPr id="191" name="Shape 191"/>
+        <p:cNvPr id="1" name=""/>
         <p:cNvGrpSpPr/>
         <p:nvPr/>
       </p:nvGrpSpPr>
@@ -2222,9 +2230,11 @@
       <p:sp>
         <p:nvSpPr>
           <p:cNvPr id="192" name="Google Shape;192;g2a416277749_0_263:notes"/>
-          <p:cNvSpPr/>
+          <p:cNvSpPr>
+            <a:spLocks noGrp="1" noRot="1" noChangeAspect="1" noTextEdit="1"/>
+          </p:cNvSpPr>
           <p:nvPr>
-            <p:ph idx="2" type="sldImg"/>
+            <p:ph type="sldImg" idx="2"/>
           </p:nvPr>
         </p:nvSpPr>
         <p:spPr>
@@ -2233,9 +2243,11 @@
             <a:ext cx="6096000" cy="3429000"/>
           </a:xfrm>
           <a:custGeom>
-            <a:rect b="b" l="l" r="r" t="t"/>
+            <a:avLst/>
+            <a:gdLst/>
+            <a:rect l="l" t="t" r="r" b="b"/>
             <a:pathLst>
-              <a:path extrusionOk="0" h="120000" w="120000">
+              <a:path w="120000" h="120000" extrusionOk="0">
                 <a:moveTo>
                   <a:pt x="0" y="0"/>
                 </a:moveTo>
@@ -2257,9 +2269,11 @@
       <p:sp>
         <p:nvSpPr>
           <p:cNvPr id="193" name="Google Shape;193;g2a416277749_0_263:notes"/>
-          <p:cNvSpPr txBox="1"/>
+          <p:cNvSpPr txBox="1">
+            <a:spLocks noGrp="1"/>
+          </p:cNvSpPr>
           <p:nvPr>
-            <p:ph idx="1" type="body"/>
+            <p:ph type="body" idx="1"/>
           </p:nvPr>
         </p:nvSpPr>
         <p:spPr>
@@ -2272,24 +2286,26 @@
           </a:prstGeom>
         </p:spPr>
         <p:txBody>
-          <a:bodyPr anchorCtr="0" anchor="t" bIns="91425" lIns="91425" spcFirstLastPara="1" rIns="91425" wrap="square" tIns="91425">
+          <a:bodyPr wrap="square" lIns="91425" tIns="91425" rIns="91425" bIns="91425" anchor="t" anchorCtr="0">
             <a:noAutofit/>
           </a:bodyPr>
           <a:lstStyle/>
           <a:p>
-            <a:pPr indent="0" lvl="0" marL="0" rtl="0" algn="l">
-              <a:spcBef>
-                <a:spcPts val="0"/>
-              </a:spcBef>
-              <a:spcAft>
-                <a:spcPts val="0"/>
-              </a:spcAft>
-              <a:buNone/>
+            <a:pPr marL="0" lvl="0" indent="0" algn="l" rtl="0">
+              <a:spcBef>
+                <a:spcPts val="0"/>
+              </a:spcBef>
+              <a:spcAft>
+                <a:spcPts val="0"/>
+              </a:spcAft>
+              <a:buNone/>
+              <a:defRPr/>
             </a:pPr>
             <a:r>
+              <a:rPr lang="en-US" altLang="ko-KR"/>
               <a:t/>
             </a:r>
-            <a:endParaRPr/>
+            <a:endParaRPr lang="en-US" altLang="ko-KR"/>
           </a:p>
         </p:txBody>
       </p:sp>
@@ -10268,10 +10284,10 @@
 </file>
 
 <file path=ppt/slides/slide20.xml><?xml version="1.0" encoding="utf-8"?>
-<p:sld xmlns:a="http://schemas.openxmlformats.org/drawingml/2006/main" xmlns:r="http://schemas.openxmlformats.org/officeDocument/2006/relationships" xmlns:mc="http://schemas.openxmlformats.org/markup-compatibility/2006" xmlns:mv="urn:schemas-microsoft-com:mac:vml" xmlns:p="http://schemas.openxmlformats.org/presentationml/2006/main" xmlns:c="http://schemas.openxmlformats.org/drawingml/2006/chart" xmlns:dgm="http://schemas.openxmlformats.org/drawingml/2006/diagram" xmlns:o="urn:schemas-microsoft-com:office:office" xmlns:v="urn:schemas-microsoft-com:vml" xmlns:pvml="urn:schemas-microsoft-com:office:powerpoint" xmlns:com="http://schemas.openxmlformats.org/drawingml/2006/compatibility" xmlns:p14="http://schemas.microsoft.com/office/powerpoint/2010/main" xmlns:p15="http://schemas.microsoft.com/office/powerpoint/2012/main" xmlns:ahyp="http://schemas.microsoft.com/office/drawing/2018/hyperlinkcolor">
+<p:sld xmlns:r="http://schemas.openxmlformats.org/officeDocument/2006/relationships" xmlns:c="http://schemas.openxmlformats.org/drawingml/2006/chart" xmlns:a="http://schemas.openxmlformats.org/drawingml/2006/main" xmlns:dgm="http://schemas.openxmlformats.org/drawingml/2006/diagram" xmlns:dsp="http://schemas.microsoft.com/office/drawing/2008/diagram" xmlns:p="http://schemas.openxmlformats.org/presentationml/2006/main">
   <p:cSld>
     <p:bg>
-      <p:bgPr>
+      <p:bgPr shadeToTitle="0">
         <a:solidFill>
           <a:srgbClr val="434343"/>
         </a:solidFill>
@@ -10279,7 +10295,7 @@
     </p:bg>
     <p:spTree>
       <p:nvGrpSpPr>
-        <p:cNvPr id="182" name="Shape 182"/>
+        <p:cNvPr id="1" name=""/>
         <p:cNvGrpSpPr/>
         <p:nvPr/>
       </p:nvGrpSpPr>
@@ -10294,9 +10310,11 @@
       <p:sp>
         <p:nvSpPr>
           <p:cNvPr id="183" name="Google Shape;183;p32"/>
-          <p:cNvSpPr txBox="1"/>
+          <p:cNvSpPr txBox="1">
+            <a:spLocks noGrp="1"/>
+          </p:cNvSpPr>
           <p:nvPr>
-            <p:ph idx="1" type="body"/>
+            <p:ph type="body" idx="1"/>
           </p:nvPr>
         </p:nvSpPr>
         <p:spPr>
@@ -10309,29 +10327,30 @@
           </a:prstGeom>
         </p:spPr>
         <p:txBody>
-          <a:bodyPr anchorCtr="0" anchor="t" bIns="91425" lIns="91425" spcFirstLastPara="1" rIns="91425" wrap="square" tIns="91425">
+          <a:bodyPr wrap="square" lIns="91425" tIns="91425" rIns="91425" bIns="91425" anchor="t" anchorCtr="0">
             <a:normAutofit/>
           </a:bodyPr>
           <a:lstStyle/>
           <a:p>
-            <a:pPr indent="-342900" lvl="0" marL="457200" rtl="0" algn="l">
-              <a:spcBef>
-                <a:spcPts val="0"/>
-              </a:spcBef>
-              <a:spcAft>
-                <a:spcPts val="0"/>
-              </a:spcAft>
-              <a:buSzPts val="1800"/>
+            <a:pPr marL="457200" lvl="0" indent="-342900" algn="l" rtl="0">
+              <a:spcBef>
+                <a:spcPts val="0"/>
+              </a:spcBef>
+              <a:spcAft>
+                <a:spcPts val="0"/>
+              </a:spcAft>
+              <a:buSzPct val="25000"/>
               <a:buChar char="-"/>
+              <a:defRPr/>
             </a:pPr>
             <a:r>
               <a:rPr lang="ko"/>
               <a:t>사용자 (IAM) 구성</a:t>
             </a:r>
-            <a:endParaRPr/>
+            <a:endParaRPr lang="ko"/>
           </a:p>
           <a:p>
-            <a:pPr indent="0" lvl="0" marL="0" rtl="0" algn="l">
+            <a:pPr marL="0" lvl="0" indent="0" algn="l" rtl="0">
               <a:spcBef>
                 <a:spcPts val="1200"/>
               </a:spcBef>
@@ -10339,10 +10358,8 @@
                 <a:spcPts val="1200"/>
               </a:spcAft>
               <a:buNone/>
+              <a:defRPr/>
             </a:pPr>
-            <a:r>
-              <a:t/>
-            </a:r>
             <a:endParaRPr/>
           </a:p>
         </p:txBody>
@@ -10350,10 +10367,10 @@
       <p:pic>
         <p:nvPicPr>
           <p:cNvPr id="184" name="Google Shape;184;p32"/>
-          <p:cNvPicPr preferRelativeResize="0"/>
+          <p:cNvPicPr/>
           <p:nvPr/>
         </p:nvPicPr>
-        <p:blipFill>
+        <p:blipFill rotWithShape="1">
           <a:blip r:embed="rId3">
             <a:alphaModFix/>
           </a:blip>
@@ -10380,6 +10397,14 @@
   <p:clrMapOvr>
     <a:masterClrMapping/>
   </p:clrMapOvr>
+  <mc:AlternateContent xmlns:mc="http://schemas.openxmlformats.org/markup-compatibility/2006">
+    <mc:Choice xmlns:p14="http://schemas.microsoft.com/office/powerpoint/2010/main" Requires="p14">
+      <p:transition xmlns:mc="http://schemas.openxmlformats.org/markup-compatibility/2006" xmlns:p14="http://schemas.microsoft.com/office/powerpoint/2010/main" mc:Ignorable="p14" p14:dur="500"/>
+    </mc:Choice>
+    <mc:Fallback>
+      <p:transition/>
+    </mc:Fallback>
+  </mc:AlternateContent>
 </p:sld>
 </file>
 
